--- a/documentation/THEMIS WG Process Diagram.pptx
+++ b/documentation/THEMIS WG Process Diagram.pptx
@@ -259,7 +259,7 @@
           <a:p>
             <a:fld id="{3E289285-96C9-474E-93E2-D5273C4C3B16}" type="datetimeFigureOut">
               <a:rPr lang="en-US" smtClean="0"/>
-              <a:t>5/1/2018</a:t>
+              <a:t>10/15/22</a:t>
             </a:fld>
             <a:endParaRPr lang="en-US"/>
           </a:p>
@@ -457,7 +457,7 @@
           <a:p>
             <a:fld id="{3E289285-96C9-474E-93E2-D5273C4C3B16}" type="datetimeFigureOut">
               <a:rPr lang="en-US" smtClean="0"/>
-              <a:t>5/1/2018</a:t>
+              <a:t>10/15/22</a:t>
             </a:fld>
             <a:endParaRPr lang="en-US"/>
           </a:p>
@@ -665,7 +665,7 @@
           <a:p>
             <a:fld id="{3E289285-96C9-474E-93E2-D5273C4C3B16}" type="datetimeFigureOut">
               <a:rPr lang="en-US" smtClean="0"/>
-              <a:t>5/1/2018</a:t>
+              <a:t>10/15/22</a:t>
             </a:fld>
             <a:endParaRPr lang="en-US"/>
           </a:p>
@@ -863,7 +863,7 @@
           <a:p>
             <a:fld id="{3E289285-96C9-474E-93E2-D5273C4C3B16}" type="datetimeFigureOut">
               <a:rPr lang="en-US" smtClean="0"/>
-              <a:t>5/1/2018</a:t>
+              <a:t>10/15/22</a:t>
             </a:fld>
             <a:endParaRPr lang="en-US"/>
           </a:p>
@@ -1138,7 +1138,7 @@
           <a:p>
             <a:fld id="{3E289285-96C9-474E-93E2-D5273C4C3B16}" type="datetimeFigureOut">
               <a:rPr lang="en-US" smtClean="0"/>
-              <a:t>5/1/2018</a:t>
+              <a:t>10/15/22</a:t>
             </a:fld>
             <a:endParaRPr lang="en-US"/>
           </a:p>
@@ -1403,7 +1403,7 @@
           <a:p>
             <a:fld id="{3E289285-96C9-474E-93E2-D5273C4C3B16}" type="datetimeFigureOut">
               <a:rPr lang="en-US" smtClean="0"/>
-              <a:t>5/1/2018</a:t>
+              <a:t>10/15/22</a:t>
             </a:fld>
             <a:endParaRPr lang="en-US"/>
           </a:p>
@@ -1815,7 +1815,7 @@
           <a:p>
             <a:fld id="{3E289285-96C9-474E-93E2-D5273C4C3B16}" type="datetimeFigureOut">
               <a:rPr lang="en-US" smtClean="0"/>
-              <a:t>5/1/2018</a:t>
+              <a:t>10/15/22</a:t>
             </a:fld>
             <a:endParaRPr lang="en-US"/>
           </a:p>
@@ -1956,7 +1956,7 @@
           <a:p>
             <a:fld id="{3E289285-96C9-474E-93E2-D5273C4C3B16}" type="datetimeFigureOut">
               <a:rPr lang="en-US" smtClean="0"/>
-              <a:t>5/1/2018</a:t>
+              <a:t>10/15/22</a:t>
             </a:fld>
             <a:endParaRPr lang="en-US"/>
           </a:p>
@@ -2069,7 +2069,7 @@
           <a:p>
             <a:fld id="{3E289285-96C9-474E-93E2-D5273C4C3B16}" type="datetimeFigureOut">
               <a:rPr lang="en-US" smtClean="0"/>
-              <a:t>5/1/2018</a:t>
+              <a:t>10/15/22</a:t>
             </a:fld>
             <a:endParaRPr lang="en-US"/>
           </a:p>
@@ -2380,7 +2380,7 @@
           <a:p>
             <a:fld id="{3E289285-96C9-474E-93E2-D5273C4C3B16}" type="datetimeFigureOut">
               <a:rPr lang="en-US" smtClean="0"/>
-              <a:t>5/1/2018</a:t>
+              <a:t>10/15/22</a:t>
             </a:fld>
             <a:endParaRPr lang="en-US"/>
           </a:p>
@@ -2668,7 +2668,7 @@
           <a:p>
             <a:fld id="{3E289285-96C9-474E-93E2-D5273C4C3B16}" type="datetimeFigureOut">
               <a:rPr lang="en-US" smtClean="0"/>
-              <a:t>5/1/2018</a:t>
+              <a:t>10/15/22</a:t>
             </a:fld>
             <a:endParaRPr lang="en-US"/>
           </a:p>
@@ -2909,7 +2909,7 @@
           <a:p>
             <a:fld id="{3E289285-96C9-474E-93E2-D5273C4C3B16}" type="datetimeFigureOut">
               <a:rPr lang="en-US" smtClean="0"/>
-              <a:t>5/1/2018</a:t>
+              <a:t>10/15/22</a:t>
             </a:fld>
             <a:endParaRPr lang="en-US"/>
           </a:p>
@@ -3723,7 +3723,7 @@
             <a:pPr algn="ctr"/>
             <a:r>
               <a:rPr lang="en-US" sz="1200" dirty="0"/>
-              <a:t>Reviewed in Monthly THEMIS Working Group Meeting</a:t>
+              <a:t>Reviewed in THEMIS Working Group Meeting</a:t>
             </a:r>
           </a:p>
         </p:txBody>
@@ -3821,7 +3821,7 @@
             <a:pPr algn="ctr"/>
             <a:r>
               <a:rPr lang="en-US" sz="1200" dirty="0"/>
-              <a:t>GitHub THEMIS Issue Labeled “New”</a:t>
+              <a:t>CDM WG Decides it should be a convention</a:t>
             </a:r>
           </a:p>
         </p:txBody>
@@ -4999,7 +4999,7 @@
         <p:spPr>
           <a:xfrm>
             <a:off x="7621191" y="4480931"/>
-            <a:ext cx="1975872" cy="1754326"/>
+            <a:ext cx="1975872" cy="1569660"/>
           </a:xfrm>
           <a:prstGeom prst="rect">
             <a:avLst/>
@@ -5041,7 +5041,7 @@
             </a:pPr>
             <a:r>
               <a:rPr lang="en-US" sz="1200" dirty="0"/>
-              <a:t>Send to CDM/Vocabulary working group for documentation and final decision </a:t>
+              <a:t>Send to CDM working group for documentation and final decision </a:t>
             </a:r>
           </a:p>
           <a:p>
